--- a/3. Comunicação dos resultados.pptx
+++ b/3. Comunicação dos resultados.pptx
@@ -246,7 +246,7 @@
           <a:p>
             <a:fld id="{E042505D-217A-4510-BC31-5787C6249736}" type="datetimeFigureOut">
               <a:rPr lang="pt-BR" smtClean="0"/>
-              <a:t>16/06/2021</a:t>
+              <a:t>17/06/2021</a:t>
             </a:fld>
             <a:endParaRPr lang="pt-BR"/>
           </a:p>
@@ -416,7 +416,7 @@
           <a:p>
             <a:fld id="{E042505D-217A-4510-BC31-5787C6249736}" type="datetimeFigureOut">
               <a:rPr lang="pt-BR" smtClean="0"/>
-              <a:t>16/06/2021</a:t>
+              <a:t>17/06/2021</a:t>
             </a:fld>
             <a:endParaRPr lang="pt-BR"/>
           </a:p>
@@ -596,7 +596,7 @@
           <a:p>
             <a:fld id="{E042505D-217A-4510-BC31-5787C6249736}" type="datetimeFigureOut">
               <a:rPr lang="pt-BR" smtClean="0"/>
-              <a:t>16/06/2021</a:t>
+              <a:t>17/06/2021</a:t>
             </a:fld>
             <a:endParaRPr lang="pt-BR"/>
           </a:p>
@@ -766,7 +766,7 @@
           <a:p>
             <a:fld id="{E042505D-217A-4510-BC31-5787C6249736}" type="datetimeFigureOut">
               <a:rPr lang="pt-BR" smtClean="0"/>
-              <a:t>16/06/2021</a:t>
+              <a:t>17/06/2021</a:t>
             </a:fld>
             <a:endParaRPr lang="pt-BR"/>
           </a:p>
@@ -1010,7 +1010,7 @@
           <a:p>
             <a:fld id="{E042505D-217A-4510-BC31-5787C6249736}" type="datetimeFigureOut">
               <a:rPr lang="pt-BR" smtClean="0"/>
-              <a:t>16/06/2021</a:t>
+              <a:t>17/06/2021</a:t>
             </a:fld>
             <a:endParaRPr lang="pt-BR"/>
           </a:p>
@@ -1242,7 +1242,7 @@
           <a:p>
             <a:fld id="{E042505D-217A-4510-BC31-5787C6249736}" type="datetimeFigureOut">
               <a:rPr lang="pt-BR" smtClean="0"/>
-              <a:t>16/06/2021</a:t>
+              <a:t>17/06/2021</a:t>
             </a:fld>
             <a:endParaRPr lang="pt-BR"/>
           </a:p>
@@ -1609,7 +1609,7 @@
           <a:p>
             <a:fld id="{E042505D-217A-4510-BC31-5787C6249736}" type="datetimeFigureOut">
               <a:rPr lang="pt-BR" smtClean="0"/>
-              <a:t>16/06/2021</a:t>
+              <a:t>17/06/2021</a:t>
             </a:fld>
             <a:endParaRPr lang="pt-BR"/>
           </a:p>
@@ -1727,7 +1727,7 @@
           <a:p>
             <a:fld id="{E042505D-217A-4510-BC31-5787C6249736}" type="datetimeFigureOut">
               <a:rPr lang="pt-BR" smtClean="0"/>
-              <a:t>16/06/2021</a:t>
+              <a:t>17/06/2021</a:t>
             </a:fld>
             <a:endParaRPr lang="pt-BR"/>
           </a:p>
@@ -1822,7 +1822,7 @@
           <a:p>
             <a:fld id="{E042505D-217A-4510-BC31-5787C6249736}" type="datetimeFigureOut">
               <a:rPr lang="pt-BR" smtClean="0"/>
-              <a:t>16/06/2021</a:t>
+              <a:t>17/06/2021</a:t>
             </a:fld>
             <a:endParaRPr lang="pt-BR"/>
           </a:p>
@@ -2099,7 +2099,7 @@
           <a:p>
             <a:fld id="{E042505D-217A-4510-BC31-5787C6249736}" type="datetimeFigureOut">
               <a:rPr lang="pt-BR" smtClean="0"/>
-              <a:t>16/06/2021</a:t>
+              <a:t>17/06/2021</a:t>
             </a:fld>
             <a:endParaRPr lang="pt-BR"/>
           </a:p>
@@ -2356,7 +2356,7 @@
           <a:p>
             <a:fld id="{E042505D-217A-4510-BC31-5787C6249736}" type="datetimeFigureOut">
               <a:rPr lang="pt-BR" smtClean="0"/>
-              <a:t>16/06/2021</a:t>
+              <a:t>17/06/2021</a:t>
             </a:fld>
             <a:endParaRPr lang="pt-BR"/>
           </a:p>
@@ -2569,7 +2569,7 @@
           <a:p>
             <a:fld id="{E042505D-217A-4510-BC31-5787C6249736}" type="datetimeFigureOut">
               <a:rPr lang="pt-BR" smtClean="0"/>
-              <a:t>16/06/2021</a:t>
+              <a:t>17/06/2021</a:t>
             </a:fld>
             <a:endParaRPr lang="pt-BR"/>
           </a:p>
@@ -4055,8 +4055,8 @@
         </p:nvSpPr>
         <p:spPr>
           <a:xfrm>
-            <a:off x="642257" y="1760157"/>
-            <a:ext cx="6847755" cy="4185761"/>
+            <a:off x="562455" y="1797244"/>
+            <a:ext cx="6847755" cy="4801314"/>
           </a:xfrm>
           <a:prstGeom prst="rect">
             <a:avLst/>
@@ -4075,7 +4075,7 @@
             </a:r>
             <a:r>
               <a:rPr lang="pt-BR" sz="2000" dirty="0"/>
-              <a:t>: Série de dados referentes a experimentos realizados para melhoria do processo de recozimento de metal.</a:t>
+              <a:t>: Série de dados referentes a série de experimentos realizados para melhoria do processo de recozimento de metal.</a:t>
             </a:r>
           </a:p>
           <a:p>
@@ -4113,6 +4113,16 @@
             <a:r>
               <a:rPr lang="pt-BR" sz="2000" dirty="0"/>
               <a:t>Como identificar estas variáveis e medi-las? </a:t>
+            </a:r>
+          </a:p>
+          <a:p>
+            <a:pPr marL="285750" indent="-285750">
+              <a:buFont typeface="Arial" panose="020B0604020202020204" pitchFamily="34" charset="0"/>
+              <a:buChar char="•"/>
+            </a:pPr>
+            <a:r>
+              <a:rPr lang="pt-BR" sz="2000" dirty="0"/>
+              <a:t>É possível ter maior controle da qualidade final com base nestas variáveis?</a:t>
             </a:r>
           </a:p>
           <a:p>
@@ -5330,10 +5340,10 @@
       </p:pic>
       <p:pic>
         <p:nvPicPr>
-          <p:cNvPr id="67" name="Imagem 66">
+          <p:cNvPr id="68" name="Imagem 67">
             <a:extLst>
               <a:ext uri="{FF2B5EF4-FFF2-40B4-BE49-F238E27FC236}">
-                <a16:creationId xmlns:a16="http://schemas.microsoft.com/office/drawing/2014/main" id="{7F51A797-27AA-46EC-A29E-0CBBFE85BFF5}"/>
+                <a16:creationId xmlns:a16="http://schemas.microsoft.com/office/drawing/2014/main" id="{0EB21779-3F32-4C11-8DDB-598BFCF690FA}"/>
               </a:ext>
             </a:extLst>
           </p:cNvPr>
@@ -5356,8 +5366,8 @@
         </p:blipFill>
         <p:spPr>
           <a:xfrm>
-            <a:off x="51827" y="1562384"/>
-            <a:ext cx="4570502" cy="3409740"/>
+            <a:off x="4765091" y="1799503"/>
+            <a:ext cx="4227348" cy="3053575"/>
           </a:xfrm>
           <a:prstGeom prst="rect">
             <a:avLst/>
@@ -5366,10 +5376,10 @@
       </p:pic>
       <p:pic>
         <p:nvPicPr>
-          <p:cNvPr id="68" name="Imagem 67">
+          <p:cNvPr id="7" name="Imagem 6">
             <a:extLst>
               <a:ext uri="{FF2B5EF4-FFF2-40B4-BE49-F238E27FC236}">
-                <a16:creationId xmlns:a16="http://schemas.microsoft.com/office/drawing/2014/main" id="{0EB21779-3F32-4C11-8DDB-598BFCF690FA}"/>
+                <a16:creationId xmlns:a16="http://schemas.microsoft.com/office/drawing/2014/main" id="{D5E6CF8E-D620-45C1-94B7-A4AFE5AB0081}"/>
               </a:ext>
             </a:extLst>
           </p:cNvPr>
@@ -5392,8 +5402,8 @@
         </p:blipFill>
         <p:spPr>
           <a:xfrm>
-            <a:off x="4765091" y="1799503"/>
-            <a:ext cx="4227348" cy="3053575"/>
+            <a:off x="448016" y="1797460"/>
+            <a:ext cx="4341459" cy="2977510"/>
           </a:xfrm>
           <a:prstGeom prst="rect">
             <a:avLst/>
@@ -6516,12 +6526,48 @@
           </a:prstGeom>
         </p:spPr>
       </p:pic>
+      <p:sp>
+        <p:nvSpPr>
+          <p:cNvPr id="67" name="CaixaDeTexto 66">
+            <a:extLst>
+              <a:ext uri="{FF2B5EF4-FFF2-40B4-BE49-F238E27FC236}">
+                <a16:creationId xmlns:a16="http://schemas.microsoft.com/office/drawing/2014/main" id="{27ACAAF8-B218-4D9D-B049-727AFD3BF57E}"/>
+              </a:ext>
+            </a:extLst>
+          </p:cNvPr>
+          <p:cNvSpPr txBox="1"/>
+          <p:nvPr/>
+        </p:nvSpPr>
+        <p:spPr>
+          <a:xfrm>
+            <a:off x="2917128" y="5012232"/>
+            <a:ext cx="3032507" cy="584775"/>
+          </a:xfrm>
+          <a:prstGeom prst="rect">
+            <a:avLst/>
+          </a:prstGeom>
+          <a:noFill/>
+        </p:spPr>
+        <p:txBody>
+          <a:bodyPr wrap="square" rtlCol="0">
+            <a:spAutoFit/>
+          </a:bodyPr>
+          <a:lstStyle/>
+          <a:p>
+            <a:pPr algn="ctr"/>
+            <a:r>
+              <a:rPr lang="pt-BR" sz="1600" dirty="0"/>
+              <a:t>Variável com forte correlação com o sucesso do recozimento</a:t>
+            </a:r>
+          </a:p>
+        </p:txBody>
+      </p:sp>
       <p:pic>
         <p:nvPicPr>
-          <p:cNvPr id="30" name="Imagem 29">
+          <p:cNvPr id="21" name="Imagem 20">
             <a:extLst>
               <a:ext uri="{FF2B5EF4-FFF2-40B4-BE49-F238E27FC236}">
-                <a16:creationId xmlns:a16="http://schemas.microsoft.com/office/drawing/2014/main" id="{F468EECF-6F11-4365-B1B2-D481A7A0278A}"/>
+                <a16:creationId xmlns:a16="http://schemas.microsoft.com/office/drawing/2014/main" id="{156B7547-9E24-4B20-9F92-A3D1E2694EB2}"/>
               </a:ext>
             </a:extLst>
           </p:cNvPr>
@@ -6544,56 +6590,20 @@
         </p:blipFill>
         <p:spPr>
           <a:xfrm>
-            <a:off x="4581525" y="1869659"/>
-            <a:ext cx="4358377" cy="2831861"/>
+            <a:off x="154800" y="1808302"/>
+            <a:ext cx="4471266" cy="3076559"/>
           </a:xfrm>
           <a:prstGeom prst="rect">
             <a:avLst/>
           </a:prstGeom>
         </p:spPr>
       </p:pic>
-      <p:sp>
-        <p:nvSpPr>
-          <p:cNvPr id="67" name="CaixaDeTexto 66">
+      <p:pic>
+        <p:nvPicPr>
+          <p:cNvPr id="23" name="Imagem 22">
             <a:extLst>
               <a:ext uri="{FF2B5EF4-FFF2-40B4-BE49-F238E27FC236}">
-                <a16:creationId xmlns:a16="http://schemas.microsoft.com/office/drawing/2014/main" id="{27ACAAF8-B218-4D9D-B049-727AFD3BF57E}"/>
-              </a:ext>
-            </a:extLst>
-          </p:cNvPr>
-          <p:cNvSpPr txBox="1"/>
-          <p:nvPr/>
-        </p:nvSpPr>
-        <p:spPr>
-          <a:xfrm>
-            <a:off x="5359244" y="5235978"/>
-            <a:ext cx="3032507" cy="584775"/>
-          </a:xfrm>
-          <a:prstGeom prst="rect">
-            <a:avLst/>
-          </a:prstGeom>
-          <a:noFill/>
-        </p:spPr>
-        <p:txBody>
-          <a:bodyPr wrap="square" rtlCol="0">
-            <a:spAutoFit/>
-          </a:bodyPr>
-          <a:lstStyle/>
-          <a:p>
-            <a:pPr algn="ctr"/>
-            <a:r>
-              <a:rPr lang="pt-BR" sz="1600" dirty="0"/>
-              <a:t>Variável com forte correlação com o sucesso do recozimento</a:t>
-            </a:r>
-          </a:p>
-        </p:txBody>
-      </p:sp>
-      <p:pic>
-        <p:nvPicPr>
-          <p:cNvPr id="47" name="Imagem 46">
-            <a:extLst>
-              <a:ext uri="{FF2B5EF4-FFF2-40B4-BE49-F238E27FC236}">
-                <a16:creationId xmlns:a16="http://schemas.microsoft.com/office/drawing/2014/main" id="{5CFFA55C-35EC-4F45-8DEF-7C0EB5D63DCC}"/>
+                <a16:creationId xmlns:a16="http://schemas.microsoft.com/office/drawing/2014/main" id="{0A257D02-72CF-404C-BFF7-286A7912168A}"/>
               </a:ext>
             </a:extLst>
           </p:cNvPr>
@@ -6616,50 +6626,14 @@
         </p:blipFill>
         <p:spPr>
           <a:xfrm>
-            <a:off x="368507" y="1889937"/>
-            <a:ext cx="3971098" cy="2740438"/>
+            <a:off x="4572000" y="1827518"/>
+            <a:ext cx="4195205" cy="2984785"/>
           </a:xfrm>
           <a:prstGeom prst="rect">
             <a:avLst/>
           </a:prstGeom>
         </p:spPr>
       </p:pic>
-      <p:sp>
-        <p:nvSpPr>
-          <p:cNvPr id="71" name="CaixaDeTexto 70">
-            <a:extLst>
-              <a:ext uri="{FF2B5EF4-FFF2-40B4-BE49-F238E27FC236}">
-                <a16:creationId xmlns:a16="http://schemas.microsoft.com/office/drawing/2014/main" id="{7AA70826-4C00-4E54-96F4-D75C71946BA3}"/>
-              </a:ext>
-            </a:extLst>
-          </p:cNvPr>
-          <p:cNvSpPr txBox="1"/>
-          <p:nvPr/>
-        </p:nvSpPr>
-        <p:spPr>
-          <a:xfrm>
-            <a:off x="985682" y="4997484"/>
-            <a:ext cx="3032507" cy="830997"/>
-          </a:xfrm>
-          <a:prstGeom prst="rect">
-            <a:avLst/>
-          </a:prstGeom>
-          <a:noFill/>
-        </p:spPr>
-        <p:txBody>
-          <a:bodyPr wrap="square" rtlCol="0">
-            <a:spAutoFit/>
-          </a:bodyPr>
-          <a:lstStyle/>
-          <a:p>
-            <a:pPr algn="ctr"/>
-            <a:r>
-              <a:rPr lang="pt-BR" sz="1600" dirty="0"/>
-              <a:t>Deformabilidades menores tendem a trazer maior proporção de sucesso para o recozimento</a:t>
-            </a:r>
-          </a:p>
-        </p:txBody>
-      </p:sp>
     </p:spTree>
     <p:extLst>
       <p:ext uri="{BB962C8B-B14F-4D97-AF65-F5344CB8AC3E}">
@@ -7702,7 +7676,7 @@
         </p:nvSpPr>
         <p:spPr>
           <a:xfrm>
-            <a:off x="2388308" y="2146751"/>
+            <a:off x="2388308" y="2066025"/>
             <a:ext cx="5572351" cy="646331"/>
           </a:xfrm>
           <a:prstGeom prst="rect">
@@ -7737,7 +7711,7 @@
         </p:nvSpPr>
         <p:spPr>
           <a:xfrm>
-            <a:off x="2388308" y="3438264"/>
+            <a:off x="2388308" y="3323511"/>
             <a:ext cx="6043008" cy="923330"/>
           </a:xfrm>
           <a:prstGeom prst="rect">
@@ -7753,7 +7727,7 @@
           <a:p>
             <a:r>
               <a:rPr lang="pt-BR" dirty="0"/>
-              <a:t>Sugere-se que se trabalhe com durezas da ordem de 50 como forma a se ter maior controle sob qualidade obtida do recozimento;</a:t>
+              <a:t>Sugere-se que se trabalhe com durezas da ordem de 50 como forma a se ter maior controle sob a qualidade obtida do processo de recozimento;</a:t>
             </a:r>
           </a:p>
         </p:txBody>
@@ -7772,8 +7746,8 @@
         </p:nvSpPr>
         <p:spPr>
           <a:xfrm>
-            <a:off x="1995747" y="4927939"/>
-            <a:ext cx="4399444" cy="369332"/>
+            <a:off x="2388308" y="4671413"/>
+            <a:ext cx="4399444" cy="646331"/>
           </a:xfrm>
           <a:prstGeom prst="rect">
             <a:avLst/>
@@ -7786,10 +7760,9 @@
           </a:bodyPr>
           <a:lstStyle/>
           <a:p>
-            <a:pPr algn="ctr"/>
             <a:r>
               <a:rPr lang="pt-BR" dirty="0"/>
-              <a:t>Modelo para ML: regressão logística.</a:t>
+              <a:t>Modelo para ML mais adequado: regressão logística.</a:t>
             </a:r>
           </a:p>
         </p:txBody>
